--- a/LIVRO.pptx
+++ b/LIVRO.pptx
@@ -3868,7 +3868,6 @@
           </a:bodyPr>
           <a:lstStyle/>
           <a:p>
-            <a:pPr algn="just"/>
             <a:r>
               <a:rPr lang="pt-BR" sz="3600" b="1" dirty="0" smtClean="0">
                 <a:solidFill>
@@ -3896,7 +3895,7 @@
                 <a:latin typeface="Times New Roman" panose="02020603050405020304" pitchFamily="18" charset="0"/>
                 <a:cs typeface="Times New Roman" panose="02020603050405020304" pitchFamily="18" charset="0"/>
               </a:rPr>
-              <a:t>LIVRO</a:t>
+              <a:t>			LIVRO</a:t>
             </a:r>
             <a:br>
               <a:rPr lang="pt-BR" sz="3600" b="1" dirty="0" smtClean="0">
@@ -3915,20 +3914,10 @@
                 <a:latin typeface="Times New Roman" panose="02020603050405020304" pitchFamily="18" charset="0"/>
                 <a:cs typeface="Times New Roman" panose="02020603050405020304" pitchFamily="18" charset="0"/>
               </a:rPr>
-              <a:t>	</a:t>
-            </a:r>
-            <a:r>
-              <a:rPr lang="pt-BR" sz="3600" b="1" dirty="0" smtClean="0">
-                <a:solidFill>
-                  <a:schemeClr val="tx1"/>
-                </a:solidFill>
-                <a:latin typeface="Times New Roman" panose="02020603050405020304" pitchFamily="18" charset="0"/>
-                <a:cs typeface="Times New Roman" panose="02020603050405020304" pitchFamily="18" charset="0"/>
-              </a:rPr>
               <a:t/>
             </a:r>
             <a:br>
-              <a:rPr lang="pt-BR" sz="3600" b="1" dirty="0" smtClean="0">
+              <a:rPr lang="pt-BR" sz="3600" b="1" dirty="0">
                 <a:solidFill>
                   <a:schemeClr val="tx1"/>
                 </a:solidFill>
@@ -3937,7 +3926,7 @@
               </a:rPr>
             </a:br>
             <a:r>
-              <a:rPr lang="pt-BR" sz="3600" b="1" dirty="0">
+              <a:rPr lang="pt-BR" sz="3600" b="1" dirty="0" smtClean="0">
                 <a:solidFill>
                   <a:schemeClr val="tx1"/>
                 </a:solidFill>
@@ -3956,6 +3945,46 @@
                 <a:hlinkClick r:id="rId2" action="ppaction://hlinkfile"/>
               </a:rPr>
               <a:t>Cap.01</a:t>
+            </a:r>
+            <a:r>
+              <a:rPr lang="pt-BR" sz="3600" dirty="0">
+                <a:solidFill>
+                  <a:schemeClr val="tx1"/>
+                </a:solidFill>
+                <a:latin typeface="Times New Roman" panose="02020603050405020304" pitchFamily="18" charset="0"/>
+                <a:cs typeface="Times New Roman" panose="02020603050405020304" pitchFamily="18" charset="0"/>
+              </a:rPr>
+              <a:t/>
+            </a:r>
+            <a:br>
+              <a:rPr lang="pt-BR" sz="3600" dirty="0">
+                <a:solidFill>
+                  <a:schemeClr val="tx1"/>
+                </a:solidFill>
+                <a:latin typeface="Times New Roman" panose="02020603050405020304" pitchFamily="18" charset="0"/>
+                <a:cs typeface="Times New Roman" panose="02020603050405020304" pitchFamily="18" charset="0"/>
+              </a:rPr>
+            </a:br>
+            <a:r>
+              <a:rPr lang="pt-BR" sz="3600" dirty="0" smtClean="0">
+                <a:solidFill>
+                  <a:schemeClr val="tx1"/>
+                </a:solidFill>
+                <a:latin typeface="Times New Roman" panose="02020603050405020304" pitchFamily="18" charset="0"/>
+                <a:cs typeface="Times New Roman" panose="02020603050405020304" pitchFamily="18" charset="0"/>
+              </a:rPr>
+              <a:t>	</a:t>
+            </a:r>
+            <a:r>
+              <a:rPr lang="pt-BR" sz="3600" dirty="0" smtClean="0">
+                <a:solidFill>
+                  <a:schemeClr val="tx1"/>
+                </a:solidFill>
+                <a:latin typeface="Times New Roman" panose="02020603050405020304" pitchFamily="18" charset="0"/>
+                <a:cs typeface="Times New Roman" panose="02020603050405020304" pitchFamily="18" charset="0"/>
+                <a:hlinkClick r:id="rId3" action="ppaction://hlinkfile"/>
+              </a:rPr>
+              <a:t>Cap.02</a:t>
             </a:r>
             <a:endParaRPr lang="pt-BR" sz="3600" b="1" dirty="0">
               <a:solidFill>

--- a/LIVRO.pptx
+++ b/LIVRO.pptx
@@ -3868,7 +3868,6 @@
           </a:bodyPr>
           <a:lstStyle/>
           <a:p>
-            <a:pPr algn="just"/>
             <a:r>
               <a:rPr lang="pt-BR" sz="3600" b="1" dirty="0" smtClean="0">
                 <a:solidFill>
@@ -3896,7 +3895,7 @@
                 <a:latin typeface="Times New Roman" panose="02020603050405020304" pitchFamily="18" charset="0"/>
                 <a:cs typeface="Times New Roman" panose="02020603050405020304" pitchFamily="18" charset="0"/>
               </a:rPr>
-              <a:t>LIVRO</a:t>
+              <a:t>			LIVRO</a:t>
             </a:r>
             <a:br>
               <a:rPr lang="pt-BR" sz="3600" b="1" dirty="0" smtClean="0">
@@ -3915,20 +3914,10 @@
                 <a:latin typeface="Times New Roman" panose="02020603050405020304" pitchFamily="18" charset="0"/>
                 <a:cs typeface="Times New Roman" panose="02020603050405020304" pitchFamily="18" charset="0"/>
               </a:rPr>
-              <a:t>	</a:t>
-            </a:r>
-            <a:r>
-              <a:rPr lang="pt-BR" sz="3600" b="1" dirty="0" smtClean="0">
-                <a:solidFill>
-                  <a:schemeClr val="tx1"/>
-                </a:solidFill>
-                <a:latin typeface="Times New Roman" panose="02020603050405020304" pitchFamily="18" charset="0"/>
-                <a:cs typeface="Times New Roman" panose="02020603050405020304" pitchFamily="18" charset="0"/>
-              </a:rPr>
               <a:t/>
             </a:r>
             <a:br>
-              <a:rPr lang="pt-BR" sz="3600" b="1" dirty="0" smtClean="0">
+              <a:rPr lang="pt-BR" sz="3600" b="1" dirty="0">
                 <a:solidFill>
                   <a:schemeClr val="tx1"/>
                 </a:solidFill>
@@ -3937,7 +3926,7 @@
               </a:rPr>
             </a:br>
             <a:r>
-              <a:rPr lang="pt-BR" sz="3600" b="1" dirty="0">
+              <a:rPr lang="pt-BR" sz="3600" b="1" dirty="0" smtClean="0">
                 <a:solidFill>
                   <a:schemeClr val="tx1"/>
                 </a:solidFill>
@@ -3956,6 +3945,86 @@
                 <a:hlinkClick r:id="rId2" action="ppaction://hlinkfile"/>
               </a:rPr>
               <a:t>Cap.01</a:t>
+            </a:r>
+            <a:r>
+              <a:rPr lang="pt-BR" sz="3600" dirty="0">
+                <a:solidFill>
+                  <a:schemeClr val="tx1"/>
+                </a:solidFill>
+                <a:latin typeface="Times New Roman" panose="02020603050405020304" pitchFamily="18" charset="0"/>
+                <a:cs typeface="Times New Roman" panose="02020603050405020304" pitchFamily="18" charset="0"/>
+              </a:rPr>
+              <a:t/>
+            </a:r>
+            <a:br>
+              <a:rPr lang="pt-BR" sz="3600" dirty="0">
+                <a:solidFill>
+                  <a:schemeClr val="tx1"/>
+                </a:solidFill>
+                <a:latin typeface="Times New Roman" panose="02020603050405020304" pitchFamily="18" charset="0"/>
+                <a:cs typeface="Times New Roman" panose="02020603050405020304" pitchFamily="18" charset="0"/>
+              </a:rPr>
+            </a:br>
+            <a:r>
+              <a:rPr lang="pt-BR" sz="3600" dirty="0" smtClean="0">
+                <a:solidFill>
+                  <a:schemeClr val="tx1"/>
+                </a:solidFill>
+                <a:latin typeface="Times New Roman" panose="02020603050405020304" pitchFamily="18" charset="0"/>
+                <a:cs typeface="Times New Roman" panose="02020603050405020304" pitchFamily="18" charset="0"/>
+              </a:rPr>
+              <a:t>	</a:t>
+            </a:r>
+            <a:r>
+              <a:rPr lang="pt-BR" sz="3600" dirty="0" smtClean="0">
+                <a:solidFill>
+                  <a:schemeClr val="tx1"/>
+                </a:solidFill>
+                <a:latin typeface="Times New Roman" panose="02020603050405020304" pitchFamily="18" charset="0"/>
+                <a:cs typeface="Times New Roman" panose="02020603050405020304" pitchFamily="18" charset="0"/>
+                <a:hlinkClick r:id="rId3" action="ppaction://hlinkfile"/>
+              </a:rPr>
+              <a:t>Cap.02</a:t>
+            </a:r>
+            <a:r>
+              <a:rPr lang="pt-BR" sz="3600" dirty="0" smtClean="0">
+                <a:solidFill>
+                  <a:schemeClr val="tx1"/>
+                </a:solidFill>
+                <a:latin typeface="Times New Roman" panose="02020603050405020304" pitchFamily="18" charset="0"/>
+                <a:cs typeface="Times New Roman" panose="02020603050405020304" pitchFamily="18" charset="0"/>
+              </a:rPr>
+              <a:t/>
+            </a:r>
+            <a:br>
+              <a:rPr lang="pt-BR" sz="3600" dirty="0" smtClean="0">
+                <a:solidFill>
+                  <a:schemeClr val="tx1"/>
+                </a:solidFill>
+                <a:latin typeface="Times New Roman" panose="02020603050405020304" pitchFamily="18" charset="0"/>
+                <a:cs typeface="Times New Roman" panose="02020603050405020304" pitchFamily="18" charset="0"/>
+              </a:rPr>
+            </a:br>
+            <a:r>
+              <a:rPr lang="pt-BR" sz="3600" dirty="0">
+                <a:solidFill>
+                  <a:schemeClr val="tx1"/>
+                </a:solidFill>
+                <a:latin typeface="Times New Roman" panose="02020603050405020304" pitchFamily="18" charset="0"/>
+                <a:cs typeface="Times New Roman" panose="02020603050405020304" pitchFamily="18" charset="0"/>
+              </a:rPr>
+              <a:t>	</a:t>
+            </a:r>
+            <a:r>
+              <a:rPr lang="pt-BR" sz="3600" dirty="0" smtClean="0">
+                <a:solidFill>
+                  <a:schemeClr val="tx1"/>
+                </a:solidFill>
+                <a:latin typeface="Times New Roman" panose="02020603050405020304" pitchFamily="18" charset="0"/>
+                <a:cs typeface="Times New Roman" panose="02020603050405020304" pitchFamily="18" charset="0"/>
+                <a:hlinkClick r:id="rId4" action="ppaction://hlinkfile"/>
+              </a:rPr>
+              <a:t>Cap.03</a:t>
             </a:r>
             <a:endParaRPr lang="pt-BR" sz="3600" b="1" dirty="0">
               <a:solidFill>
